--- a/presentations/meeting230421.pptx
+++ b/presentations/meeting230421.pptx
@@ -5,7 +5,7 @@
     <p:sldMasterId id="2147483660" r:id="rId1"/>
   </p:sldMasterIdLst>
   <p:notesMasterIdLst>
-    <p:notesMasterId r:id="rId7"/>
+    <p:notesMasterId r:id="rId9"/>
   </p:notesMasterIdLst>
   <p:sldIdLst>
     <p:sldId id="310" r:id="rId2"/>
@@ -13,6 +13,8 @@
     <p:sldId id="311" r:id="rId4"/>
     <p:sldId id="312" r:id="rId5"/>
     <p:sldId id="315" r:id="rId6"/>
+    <p:sldId id="316" r:id="rId7"/>
+    <p:sldId id="317" r:id="rId8"/>
   </p:sldIdLst>
   <p:sldSz cx="12192000" cy="6858000"/>
   <p:notesSz cx="6858000" cy="9144000"/>
@@ -212,7 +214,7 @@
           <a:p>
             <a:fld id="{8C594472-1001-3F45-843E-AD6F2325AFE4}" type="datetimeFigureOut">
               <a:rPr lang="en-US" smtClean="0"/>
-              <a:t>4/20/21</a:t>
+              <a:t>4/21/21</a:t>
             </a:fld>
             <a:endParaRPr lang="en-US"/>
           </a:p>
@@ -690,7 +692,7 @@
           <a:p>
             <a:fld id="{73C55A3C-5767-4844-A0A3-83778C2E5409}" type="datetime1">
               <a:rPr lang="en-US" smtClean="0"/>
-              <a:t>4/20/21</a:t>
+              <a:t>4/21/21</a:t>
             </a:fld>
             <a:endParaRPr lang="en-US" dirty="0"/>
           </a:p>
@@ -5397,6 +5399,382 @@
 </p:sld>
 </file>
 
+<file path=ppt/slides/slide6.xml><?xml version="1.0" encoding="utf-8"?>
+<p:sld xmlns:a="http://schemas.openxmlformats.org/drawingml/2006/main" xmlns:r="http://schemas.openxmlformats.org/officeDocument/2006/relationships" xmlns:p="http://schemas.openxmlformats.org/presentationml/2006/main">
+  <p:cSld>
+    <p:spTree>
+      <p:nvGrpSpPr>
+        <p:cNvPr id="1" name=""/>
+        <p:cNvGrpSpPr/>
+        <p:nvPr/>
+      </p:nvGrpSpPr>
+      <p:grpSpPr>
+        <a:xfrm>
+          <a:off x="0" y="0"/>
+          <a:ext cx="0" cy="0"/>
+          <a:chOff x="0" y="0"/>
+          <a:chExt cx="0" cy="0"/>
+        </a:xfrm>
+      </p:grpSpPr>
+      <p:sp>
+        <p:nvSpPr>
+          <p:cNvPr id="5" name="TextBox 4">
+            <a:extLst>
+              <a:ext uri="{FF2B5EF4-FFF2-40B4-BE49-F238E27FC236}">
+                <a16:creationId xmlns:a16="http://schemas.microsoft.com/office/drawing/2014/main" id="{2C1C5BFF-26CF-914D-A9B5-837651845882}"/>
+              </a:ext>
+            </a:extLst>
+          </p:cNvPr>
+          <p:cNvSpPr txBox="1"/>
+          <p:nvPr/>
+        </p:nvSpPr>
+        <p:spPr>
+          <a:xfrm>
+            <a:off x="-9007" y="809417"/>
+            <a:ext cx="12369704" cy="707886"/>
+          </a:xfrm>
+          <a:prstGeom prst="rect">
+            <a:avLst/>
+          </a:prstGeom>
+          <a:solidFill>
+            <a:schemeClr val="bg1">
+              <a:lumMod val="20000"/>
+              <a:lumOff val="80000"/>
+            </a:schemeClr>
+          </a:solidFill>
+        </p:spPr>
+        <p:txBody>
+          <a:bodyPr wrap="square" rtlCol="0">
+            <a:spAutoFit/>
+          </a:bodyPr>
+          <a:lstStyle/>
+          <a:p>
+            <a:r>
+              <a:rPr lang="en-US" sz="4000" dirty="0">
+                <a:solidFill>
+                  <a:schemeClr val="bg1">
+                    <a:lumMod val="75000"/>
+                  </a:schemeClr>
+                </a:solidFill>
+                <a:latin typeface="Tw Cen MT" panose="020B0602020104020603" pitchFamily="34" charset="77"/>
+              </a:rPr>
+              <a:t> Solution to bleeding place cells </a:t>
+            </a:r>
+          </a:p>
+        </p:txBody>
+      </p:sp>
+      <p:sp>
+        <p:nvSpPr>
+          <p:cNvPr id="11" name="TextBox 10">
+            <a:extLst>
+              <a:ext uri="{FF2B5EF4-FFF2-40B4-BE49-F238E27FC236}">
+                <a16:creationId xmlns:a16="http://schemas.microsoft.com/office/drawing/2014/main" id="{E32789A5-652D-3645-BF2F-28B620F76CA5}"/>
+              </a:ext>
+            </a:extLst>
+          </p:cNvPr>
+          <p:cNvSpPr txBox="1"/>
+          <p:nvPr/>
+        </p:nvSpPr>
+        <p:spPr>
+          <a:xfrm>
+            <a:off x="9120336" y="3429000"/>
+            <a:ext cx="184731" cy="369332"/>
+          </a:xfrm>
+          <a:prstGeom prst="rect">
+            <a:avLst/>
+          </a:prstGeom>
+          <a:noFill/>
+        </p:spPr>
+        <p:txBody>
+          <a:bodyPr wrap="none" rtlCol="0">
+            <a:spAutoFit/>
+          </a:bodyPr>
+          <a:lstStyle/>
+          <a:p>
+            <a:pPr algn="l"/>
+            <a:endParaRPr lang="en-US" dirty="0">
+              <a:solidFill>
+                <a:schemeClr val="bg1">
+                  <a:lumMod val="60000"/>
+                  <a:lumOff val="40000"/>
+                </a:schemeClr>
+              </a:solidFill>
+            </a:endParaRPr>
+          </a:p>
+        </p:txBody>
+      </p:sp>
+      <p:sp>
+        <p:nvSpPr>
+          <p:cNvPr id="20" name="TextBox 19">
+            <a:extLst>
+              <a:ext uri="{FF2B5EF4-FFF2-40B4-BE49-F238E27FC236}">
+                <a16:creationId xmlns:a16="http://schemas.microsoft.com/office/drawing/2014/main" id="{BAC8308A-8B11-EE4A-A1CF-EF151DE40E60}"/>
+              </a:ext>
+            </a:extLst>
+          </p:cNvPr>
+          <p:cNvSpPr txBox="1"/>
+          <p:nvPr/>
+        </p:nvSpPr>
+        <p:spPr>
+          <a:xfrm>
+            <a:off x="1350293" y="7270195"/>
+            <a:ext cx="3874790" cy="1200329"/>
+          </a:xfrm>
+          <a:prstGeom prst="rect">
+            <a:avLst/>
+          </a:prstGeom>
+          <a:noFill/>
+        </p:spPr>
+        <p:txBody>
+          <a:bodyPr wrap="square" rtlCol="0">
+            <a:spAutoFit/>
+          </a:bodyPr>
+          <a:lstStyle/>
+          <a:p>
+            <a:pPr algn="l"/>
+            <a:r>
+              <a:rPr lang="en-US" dirty="0">
+                <a:solidFill>
+                  <a:schemeClr val="bg1">
+                    <a:lumMod val="60000"/>
+                    <a:lumOff val="40000"/>
+                  </a:schemeClr>
+                </a:solidFill>
+              </a:rPr>
+              <a:t>Biggest problems: </a:t>
+            </a:r>
+          </a:p>
+          <a:p>
+            <a:pPr algn="l"/>
+            <a:r>
+              <a:rPr lang="en-US" dirty="0">
+                <a:solidFill>
+                  <a:schemeClr val="bg1">
+                    <a:lumMod val="60000"/>
+                    <a:lumOff val="40000"/>
+                  </a:schemeClr>
+                </a:solidFill>
+              </a:rPr>
+              <a:t>• Can be slow to train </a:t>
+            </a:r>
+          </a:p>
+          <a:p>
+            <a:pPr algn="l"/>
+            <a:r>
+              <a:rPr lang="en-US" dirty="0">
+                <a:solidFill>
+                  <a:schemeClr val="bg1">
+                    <a:lumMod val="60000"/>
+                    <a:lumOff val="40000"/>
+                  </a:schemeClr>
+                </a:solidFill>
+              </a:rPr>
+              <a:t>• Defining position to state rep function non-trivial (I guess that’s the whole point)</a:t>
+            </a:r>
+          </a:p>
+        </p:txBody>
+      </p:sp>
+    </p:spTree>
+    <p:extLst>
+      <p:ext uri="{BB962C8B-B14F-4D97-AF65-F5344CB8AC3E}">
+        <p14:creationId xmlns:p14="http://schemas.microsoft.com/office/powerpoint/2010/main" val="1375221611"/>
+      </p:ext>
+    </p:extLst>
+  </p:cSld>
+  <p:clrMapOvr>
+    <a:masterClrMapping/>
+  </p:clrMapOvr>
+</p:sld>
+</file>
+
+<file path=ppt/slides/slide7.xml><?xml version="1.0" encoding="utf-8"?>
+<p:sld xmlns:a="http://schemas.openxmlformats.org/drawingml/2006/main" xmlns:r="http://schemas.openxmlformats.org/officeDocument/2006/relationships" xmlns:p="http://schemas.openxmlformats.org/presentationml/2006/main">
+  <p:cSld>
+    <p:spTree>
+      <p:nvGrpSpPr>
+        <p:cNvPr id="1" name=""/>
+        <p:cNvGrpSpPr/>
+        <p:nvPr/>
+      </p:nvGrpSpPr>
+      <p:grpSpPr>
+        <a:xfrm>
+          <a:off x="0" y="0"/>
+          <a:ext cx="0" cy="0"/>
+          <a:chOff x="0" y="0"/>
+          <a:chExt cx="0" cy="0"/>
+        </a:xfrm>
+      </p:grpSpPr>
+      <p:sp>
+        <p:nvSpPr>
+          <p:cNvPr id="5" name="TextBox 4">
+            <a:extLst>
+              <a:ext uri="{FF2B5EF4-FFF2-40B4-BE49-F238E27FC236}">
+                <a16:creationId xmlns:a16="http://schemas.microsoft.com/office/drawing/2014/main" id="{2C1C5BFF-26CF-914D-A9B5-837651845882}"/>
+              </a:ext>
+            </a:extLst>
+          </p:cNvPr>
+          <p:cNvSpPr txBox="1"/>
+          <p:nvPr/>
+        </p:nvSpPr>
+        <p:spPr>
+          <a:xfrm>
+            <a:off x="-9007" y="809417"/>
+            <a:ext cx="12369704" cy="707886"/>
+          </a:xfrm>
+          <a:prstGeom prst="rect">
+            <a:avLst/>
+          </a:prstGeom>
+          <a:solidFill>
+            <a:schemeClr val="bg1">
+              <a:lumMod val="20000"/>
+              <a:lumOff val="80000"/>
+            </a:schemeClr>
+          </a:solidFill>
+        </p:spPr>
+        <p:txBody>
+          <a:bodyPr wrap="square" rtlCol="0">
+            <a:spAutoFit/>
+          </a:bodyPr>
+          <a:lstStyle/>
+          <a:p>
+            <a:r>
+              <a:rPr lang="en-US" sz="4000" dirty="0">
+                <a:solidFill>
+                  <a:schemeClr val="bg1">
+                    <a:lumMod val="75000"/>
+                  </a:schemeClr>
+                </a:solidFill>
+                <a:latin typeface="Tw Cen MT" panose="020B0602020104020603" pitchFamily="34" charset="77"/>
+              </a:rPr>
+              <a:t>Solution to slow training  </a:t>
+            </a:r>
+          </a:p>
+        </p:txBody>
+      </p:sp>
+      <p:sp>
+        <p:nvSpPr>
+          <p:cNvPr id="11" name="TextBox 10">
+            <a:extLst>
+              <a:ext uri="{FF2B5EF4-FFF2-40B4-BE49-F238E27FC236}">
+                <a16:creationId xmlns:a16="http://schemas.microsoft.com/office/drawing/2014/main" id="{E32789A5-652D-3645-BF2F-28B620F76CA5}"/>
+              </a:ext>
+            </a:extLst>
+          </p:cNvPr>
+          <p:cNvSpPr txBox="1"/>
+          <p:nvPr/>
+        </p:nvSpPr>
+        <p:spPr>
+          <a:xfrm>
+            <a:off x="9120336" y="3429000"/>
+            <a:ext cx="184731" cy="369332"/>
+          </a:xfrm>
+          <a:prstGeom prst="rect">
+            <a:avLst/>
+          </a:prstGeom>
+          <a:noFill/>
+        </p:spPr>
+        <p:txBody>
+          <a:bodyPr wrap="none" rtlCol="0">
+            <a:spAutoFit/>
+          </a:bodyPr>
+          <a:lstStyle/>
+          <a:p>
+            <a:pPr algn="l"/>
+            <a:endParaRPr lang="en-US" dirty="0">
+              <a:solidFill>
+                <a:schemeClr val="bg1">
+                  <a:lumMod val="60000"/>
+                  <a:lumOff val="40000"/>
+                </a:schemeClr>
+              </a:solidFill>
+            </a:endParaRPr>
+          </a:p>
+        </p:txBody>
+      </p:sp>
+      <p:sp>
+        <p:nvSpPr>
+          <p:cNvPr id="20" name="TextBox 19">
+            <a:extLst>
+              <a:ext uri="{FF2B5EF4-FFF2-40B4-BE49-F238E27FC236}">
+                <a16:creationId xmlns:a16="http://schemas.microsoft.com/office/drawing/2014/main" id="{BAC8308A-8B11-EE4A-A1CF-EF151DE40E60}"/>
+              </a:ext>
+            </a:extLst>
+          </p:cNvPr>
+          <p:cNvSpPr txBox="1"/>
+          <p:nvPr/>
+        </p:nvSpPr>
+        <p:spPr>
+          <a:xfrm>
+            <a:off x="1350293" y="7270195"/>
+            <a:ext cx="3874790" cy="1200329"/>
+          </a:xfrm>
+          <a:prstGeom prst="rect">
+            <a:avLst/>
+          </a:prstGeom>
+          <a:noFill/>
+        </p:spPr>
+        <p:txBody>
+          <a:bodyPr wrap="square" rtlCol="0">
+            <a:spAutoFit/>
+          </a:bodyPr>
+          <a:lstStyle/>
+          <a:p>
+            <a:pPr algn="l"/>
+            <a:r>
+              <a:rPr lang="en-US" dirty="0">
+                <a:solidFill>
+                  <a:schemeClr val="bg1">
+                    <a:lumMod val="60000"/>
+                    <a:lumOff val="40000"/>
+                  </a:schemeClr>
+                </a:solidFill>
+              </a:rPr>
+              <a:t>Biggest problems: </a:t>
+            </a:r>
+          </a:p>
+          <a:p>
+            <a:pPr algn="l"/>
+            <a:r>
+              <a:rPr lang="en-US" dirty="0">
+                <a:solidFill>
+                  <a:schemeClr val="bg1">
+                    <a:lumMod val="60000"/>
+                    <a:lumOff val="40000"/>
+                  </a:schemeClr>
+                </a:solidFill>
+              </a:rPr>
+              <a:t>• Can be slow to train </a:t>
+            </a:r>
+          </a:p>
+          <a:p>
+            <a:pPr algn="l"/>
+            <a:r>
+              <a:rPr lang="en-US" dirty="0">
+                <a:solidFill>
+                  <a:schemeClr val="bg1">
+                    <a:lumMod val="60000"/>
+                    <a:lumOff val="40000"/>
+                  </a:schemeClr>
+                </a:solidFill>
+              </a:rPr>
+              <a:t>• Defining position to state rep function non-trivial (I guess that’s the whole point)</a:t>
+            </a:r>
+          </a:p>
+        </p:txBody>
+      </p:sp>
+    </p:spTree>
+    <p:extLst>
+      <p:ext uri="{BB962C8B-B14F-4D97-AF65-F5344CB8AC3E}">
+        <p14:creationId xmlns:p14="http://schemas.microsoft.com/office/powerpoint/2010/main" val="1588676672"/>
+      </p:ext>
+    </p:extLst>
+  </p:cSld>
+  <p:clrMapOvr>
+    <a:masterClrMapping/>
+  </p:clrMapOvr>
+</p:sld>
+</file>
+
 <file path=ppt/theme/theme1.xml><?xml version="1.0" encoding="utf-8"?>
 <a:theme xmlns:a="http://schemas.openxmlformats.org/drawingml/2006/main" name="SlateVTI">
   <a:themeElements>

--- a/presentations/meeting230421.pptx
+++ b/presentations/meeting230421.pptx
@@ -5,7 +5,7 @@
     <p:sldMasterId id="2147483660" r:id="rId1"/>
   </p:sldMasterIdLst>
   <p:notesMasterIdLst>
-    <p:notesMasterId r:id="rId9"/>
+    <p:notesMasterId r:id="rId11"/>
   </p:notesMasterIdLst>
   <p:sldIdLst>
     <p:sldId id="310" r:id="rId2"/>
@@ -15,6 +15,8 @@
     <p:sldId id="315" r:id="rId6"/>
     <p:sldId id="316" r:id="rId7"/>
     <p:sldId id="317" r:id="rId8"/>
+    <p:sldId id="318" r:id="rId9"/>
+    <p:sldId id="319" r:id="rId10"/>
   </p:sldIdLst>
   <p:sldSz cx="12192000" cy="6858000"/>
   <p:notesSz cx="6858000" cy="9144000"/>
@@ -214,7 +216,7 @@
           <a:p>
             <a:fld id="{8C594472-1001-3F45-843E-AD6F2325AFE4}" type="datetimeFigureOut">
               <a:rPr lang="en-US" smtClean="0"/>
-              <a:t>4/21/21</a:t>
+              <a:t>4/23/21</a:t>
             </a:fld>
             <a:endParaRPr lang="en-US"/>
           </a:p>
@@ -692,7 +694,7 @@
           <a:p>
             <a:fld id="{73C55A3C-5767-4844-A0A3-83778C2E5409}" type="datetime1">
               <a:rPr lang="en-US" smtClean="0"/>
-              <a:t>4/21/21</a:t>
+              <a:t>4/23/21</a:t>
             </a:fld>
             <a:endParaRPr lang="en-US" dirty="0"/>
           </a:p>
@@ -4180,7 +4182,7 @@
         </p:nvSpPr>
         <p:spPr>
           <a:xfrm>
-            <a:off x="191344" y="6671101"/>
+            <a:off x="205358" y="6086325"/>
             <a:ext cx="5003002" cy="646331"/>
           </a:xfrm>
           <a:prstGeom prst="rect">
@@ -5458,7 +5460,7 @@
                 </a:solidFill>
                 <a:latin typeface="Tw Cen MT" panose="020B0602020104020603" pitchFamily="34" charset="77"/>
               </a:rPr>
-              <a:t> Solution to bleeding place cells </a:t>
+              <a:t>Grid cells bleeding across boundaries </a:t>
             </a:r>
           </a:p>
         </p:txBody>
@@ -5574,6 +5576,159 @@
           </a:p>
         </p:txBody>
       </p:sp>
+      <p:pic>
+        <p:nvPicPr>
+          <p:cNvPr id="3" name="Picture 2">
+            <a:extLst>
+              <a:ext uri="{FF2B5EF4-FFF2-40B4-BE49-F238E27FC236}">
+                <a16:creationId xmlns:a16="http://schemas.microsoft.com/office/drawing/2014/main" id="{3A1C78A1-7BD9-B740-9ABD-FCE260203E78}"/>
+              </a:ext>
+            </a:extLst>
+          </p:cNvPr>
+          <p:cNvPicPr>
+            <a:picLocks noChangeAspect="1"/>
+          </p:cNvPicPr>
+          <p:nvPr/>
+        </p:nvPicPr>
+        <p:blipFill>
+          <a:blip r:embed="rId2"/>
+          <a:stretch>
+            <a:fillRect/>
+          </a:stretch>
+        </p:blipFill>
+        <p:spPr>
+          <a:xfrm>
+            <a:off x="407368" y="1844824"/>
+            <a:ext cx="3874790" cy="3874790"/>
+          </a:xfrm>
+          <a:prstGeom prst="rect">
+            <a:avLst/>
+          </a:prstGeom>
+        </p:spPr>
+      </p:pic>
+      <p:sp>
+        <p:nvSpPr>
+          <p:cNvPr id="4" name="TextBox 3">
+            <a:extLst>
+              <a:ext uri="{FF2B5EF4-FFF2-40B4-BE49-F238E27FC236}">
+                <a16:creationId xmlns:a16="http://schemas.microsoft.com/office/drawing/2014/main" id="{AD75AC1A-E8A3-E84B-B690-C75824BB8D22}"/>
+              </a:ext>
+            </a:extLst>
+          </p:cNvPr>
+          <p:cNvSpPr txBox="1"/>
+          <p:nvPr/>
+        </p:nvSpPr>
+        <p:spPr>
+          <a:xfrm>
+            <a:off x="119336" y="1660882"/>
+            <a:ext cx="3857531" cy="369332"/>
+          </a:xfrm>
+          <a:prstGeom prst="rect">
+            <a:avLst/>
+          </a:prstGeom>
+          <a:noFill/>
+        </p:spPr>
+        <p:txBody>
+          <a:bodyPr wrap="none" rtlCol="0">
+            <a:spAutoFit/>
+          </a:bodyPr>
+          <a:lstStyle/>
+          <a:p>
+            <a:pPr algn="l"/>
+            <a:r>
+              <a:rPr lang="en-US" dirty="0">
+                <a:solidFill>
+                  <a:schemeClr val="bg1">
+                    <a:lumMod val="60000"/>
+                    <a:lumOff val="40000"/>
+                  </a:schemeClr>
+                </a:solidFill>
+              </a:rPr>
+              <a:t>Vertical / horizontal boundaries only </a:t>
+            </a:r>
+            <a:r>
+              <a:rPr lang="en-US" dirty="0">
+                <a:solidFill>
+                  <a:schemeClr val="bg1">
+                    <a:lumMod val="60000"/>
+                    <a:lumOff val="40000"/>
+                  </a:schemeClr>
+                </a:solidFill>
+                <a:sym typeface="Wingdings" pitchFamily="2" charset="2"/>
+              </a:rPr>
+              <a:t> </a:t>
+            </a:r>
+            <a:endParaRPr lang="en-US" dirty="0">
+              <a:solidFill>
+                <a:schemeClr val="bg1">
+                  <a:lumMod val="60000"/>
+                  <a:lumOff val="40000"/>
+                </a:schemeClr>
+              </a:solidFill>
+            </a:endParaRPr>
+          </a:p>
+        </p:txBody>
+      </p:sp>
+      <p:pic>
+        <p:nvPicPr>
+          <p:cNvPr id="7" name="Picture 6">
+            <a:extLst>
+              <a:ext uri="{FF2B5EF4-FFF2-40B4-BE49-F238E27FC236}">
+                <a16:creationId xmlns:a16="http://schemas.microsoft.com/office/drawing/2014/main" id="{C6AB113C-C8FA-A144-AFEF-905BB824BF4F}"/>
+              </a:ext>
+            </a:extLst>
+          </p:cNvPr>
+          <p:cNvPicPr>
+            <a:picLocks noChangeAspect="1"/>
+          </p:cNvPicPr>
+          <p:nvPr/>
+        </p:nvPicPr>
+        <p:blipFill>
+          <a:blip r:embed="rId3"/>
+          <a:stretch>
+            <a:fillRect/>
+          </a:stretch>
+        </p:blipFill>
+        <p:spPr>
+          <a:xfrm>
+            <a:off x="4036244" y="1846014"/>
+            <a:ext cx="3873600" cy="3873600"/>
+          </a:xfrm>
+          <a:prstGeom prst="rect">
+            <a:avLst/>
+          </a:prstGeom>
+        </p:spPr>
+      </p:pic>
+      <p:pic>
+        <p:nvPicPr>
+          <p:cNvPr id="9" name="Picture 8">
+            <a:extLst>
+              <a:ext uri="{FF2B5EF4-FFF2-40B4-BE49-F238E27FC236}">
+                <a16:creationId xmlns:a16="http://schemas.microsoft.com/office/drawing/2014/main" id="{BD243239-B1CA-2949-AD39-F76BFF911F86}"/>
+              </a:ext>
+            </a:extLst>
+          </p:cNvPr>
+          <p:cNvPicPr>
+            <a:picLocks noChangeAspect="1"/>
+          </p:cNvPicPr>
+          <p:nvPr/>
+        </p:nvPicPr>
+        <p:blipFill>
+          <a:blip r:embed="rId4"/>
+          <a:stretch>
+            <a:fillRect/>
+          </a:stretch>
+        </p:blipFill>
+        <p:spPr>
+          <a:xfrm>
+            <a:off x="9305067" y="2415791"/>
+            <a:ext cx="2629289" cy="2365102"/>
+          </a:xfrm>
+          <a:prstGeom prst="rect">
+            <a:avLst/>
+          </a:prstGeom>
+        </p:spPr>
+      </p:pic>
     </p:spTree>
     <p:extLst>
       <p:ext uri="{BB962C8B-B14F-4D97-AF65-F5344CB8AC3E}">
@@ -5646,7 +5801,7 @@
                 </a:solidFill>
                 <a:latin typeface="Tw Cen MT" panose="020B0602020104020603" pitchFamily="34" charset="77"/>
               </a:rPr>
-              <a:t>Solution to slow training  </a:t>
+              <a:t> Code speed-up, O(1000x)</a:t>
             </a:r>
           </a:p>
         </p:txBody>
@@ -5762,10 +5917,1617 @@
           </a:p>
         </p:txBody>
       </p:sp>
+      <p:grpSp>
+        <p:nvGrpSpPr>
+          <p:cNvPr id="6" name="Group 5">
+            <a:extLst>
+              <a:ext uri="{FF2B5EF4-FFF2-40B4-BE49-F238E27FC236}">
+                <a16:creationId xmlns:a16="http://schemas.microsoft.com/office/drawing/2014/main" id="{5F197C40-2556-714A-B38A-B5D51267C9D7}"/>
+              </a:ext>
+            </a:extLst>
+          </p:cNvPr>
+          <p:cNvGrpSpPr/>
+          <p:nvPr/>
+        </p:nvGrpSpPr>
+        <p:grpSpPr>
+          <a:xfrm>
+            <a:off x="191344" y="2098208"/>
+            <a:ext cx="5400600" cy="466696"/>
+            <a:chOff x="5118420" y="4293096"/>
+            <a:chExt cx="6666211" cy="576064"/>
+          </a:xfrm>
+        </p:grpSpPr>
+        <p:pic>
+          <p:nvPicPr>
+            <p:cNvPr id="7" name="Picture 6">
+              <a:extLst>
+                <a:ext uri="{FF2B5EF4-FFF2-40B4-BE49-F238E27FC236}">
+                  <a16:creationId xmlns:a16="http://schemas.microsoft.com/office/drawing/2014/main" id="{0C05D179-0EBD-384E-9054-004D80CB8F25}"/>
+                </a:ext>
+              </a:extLst>
+            </p:cNvPr>
+            <p:cNvPicPr>
+              <a:picLocks noChangeAspect="1"/>
+            </p:cNvPicPr>
+            <p:nvPr/>
+          </p:nvPicPr>
+          <p:blipFill>
+            <a:blip r:embed="rId2"/>
+            <a:stretch>
+              <a:fillRect/>
+            </a:stretch>
+          </p:blipFill>
+          <p:spPr>
+            <a:xfrm>
+              <a:off x="5231904" y="4365104"/>
+              <a:ext cx="6425123" cy="379403"/>
+            </a:xfrm>
+            <a:prstGeom prst="rect">
+              <a:avLst/>
+            </a:prstGeom>
+          </p:spPr>
+        </p:pic>
+        <p:sp>
+          <p:nvSpPr>
+            <p:cNvPr id="8" name="TextBox 7">
+              <a:extLst>
+                <a:ext uri="{FF2B5EF4-FFF2-40B4-BE49-F238E27FC236}">
+                  <a16:creationId xmlns:a16="http://schemas.microsoft.com/office/drawing/2014/main" id="{920FA930-4AC2-E140-968E-72DA8B464481}"/>
+                </a:ext>
+              </a:extLst>
+            </p:cNvPr>
+            <p:cNvSpPr txBox="1"/>
+            <p:nvPr/>
+          </p:nvSpPr>
+          <p:spPr>
+            <a:xfrm>
+              <a:off x="5118420" y="4293096"/>
+              <a:ext cx="6666211" cy="576064"/>
+            </a:xfrm>
+            <a:prstGeom prst="rect">
+              <a:avLst/>
+            </a:prstGeom>
+            <a:noFill/>
+            <a:ln w="31750">
+              <a:solidFill>
+                <a:srgbClr val="FD8D62"/>
+              </a:solidFill>
+            </a:ln>
+          </p:spPr>
+          <p:txBody>
+            <a:bodyPr wrap="square" rtlCol="0">
+              <a:spAutoFit/>
+            </a:bodyPr>
+            <a:lstStyle/>
+            <a:p>
+              <a:pPr algn="l"/>
+              <a:endParaRPr lang="en-US" dirty="0">
+                <a:solidFill>
+                  <a:schemeClr val="bg1">
+                    <a:lumMod val="60000"/>
+                    <a:lumOff val="40000"/>
+                  </a:schemeClr>
+                </a:solidFill>
+              </a:endParaRPr>
+            </a:p>
+          </p:txBody>
+        </p:sp>
+      </p:grpSp>
+      <p:grpSp>
+        <p:nvGrpSpPr>
+          <p:cNvPr id="9" name="Group 8">
+            <a:extLst>
+              <a:ext uri="{FF2B5EF4-FFF2-40B4-BE49-F238E27FC236}">
+                <a16:creationId xmlns:a16="http://schemas.microsoft.com/office/drawing/2014/main" id="{B5E31559-A593-DC46-B3C3-9971232F4F96}"/>
+              </a:ext>
+            </a:extLst>
+          </p:cNvPr>
+          <p:cNvGrpSpPr/>
+          <p:nvPr/>
+        </p:nvGrpSpPr>
+        <p:grpSpPr>
+          <a:xfrm>
+            <a:off x="6420036" y="2117538"/>
+            <a:ext cx="5400600" cy="447366"/>
+            <a:chOff x="4974405" y="6093296"/>
+            <a:chExt cx="6954243" cy="576064"/>
+          </a:xfrm>
+        </p:grpSpPr>
+        <p:pic>
+          <p:nvPicPr>
+            <p:cNvPr id="10" name="Picture 9">
+              <a:extLst>
+                <a:ext uri="{FF2B5EF4-FFF2-40B4-BE49-F238E27FC236}">
+                  <a16:creationId xmlns:a16="http://schemas.microsoft.com/office/drawing/2014/main" id="{81046FA7-259F-9B47-BE26-BAAC97F43A13}"/>
+                </a:ext>
+              </a:extLst>
+            </p:cNvPr>
+            <p:cNvPicPr>
+              <a:picLocks noChangeAspect="1"/>
+            </p:cNvPicPr>
+            <p:nvPr/>
+          </p:nvPicPr>
+          <p:blipFill>
+            <a:blip r:embed="rId3"/>
+            <a:stretch>
+              <a:fillRect/>
+            </a:stretch>
+          </p:blipFill>
+          <p:spPr>
+            <a:xfrm>
+              <a:off x="5161434" y="6187830"/>
+              <a:ext cx="6623198" cy="405164"/>
+            </a:xfrm>
+            <a:prstGeom prst="rect">
+              <a:avLst/>
+            </a:prstGeom>
+          </p:spPr>
+        </p:pic>
+        <p:sp>
+          <p:nvSpPr>
+            <p:cNvPr id="12" name="TextBox 11">
+              <a:extLst>
+                <a:ext uri="{FF2B5EF4-FFF2-40B4-BE49-F238E27FC236}">
+                  <a16:creationId xmlns:a16="http://schemas.microsoft.com/office/drawing/2014/main" id="{4E3A49EB-5C0C-1541-8F62-9A65C8B87821}"/>
+                </a:ext>
+              </a:extLst>
+            </p:cNvPr>
+            <p:cNvSpPr txBox="1"/>
+            <p:nvPr/>
+          </p:nvSpPr>
+          <p:spPr>
+            <a:xfrm>
+              <a:off x="4974405" y="6093296"/>
+              <a:ext cx="6954243" cy="576064"/>
+            </a:xfrm>
+            <a:prstGeom prst="rect">
+              <a:avLst/>
+            </a:prstGeom>
+            <a:noFill/>
+            <a:ln w="31750">
+              <a:solidFill>
+                <a:srgbClr val="FD8D62"/>
+              </a:solidFill>
+            </a:ln>
+          </p:spPr>
+          <p:txBody>
+            <a:bodyPr wrap="square" rtlCol="0">
+              <a:spAutoFit/>
+            </a:bodyPr>
+            <a:lstStyle/>
+            <a:p>
+              <a:pPr algn="l"/>
+              <a:endParaRPr lang="en-US" dirty="0">
+                <a:solidFill>
+                  <a:schemeClr val="bg1">
+                    <a:lumMod val="60000"/>
+                    <a:lumOff val="40000"/>
+                  </a:schemeClr>
+                </a:solidFill>
+              </a:endParaRPr>
+            </a:p>
+          </p:txBody>
+        </p:sp>
+      </p:grpSp>
+      <p:sp>
+        <p:nvSpPr>
+          <p:cNvPr id="3" name="TextBox 2">
+            <a:extLst>
+              <a:ext uri="{FF2B5EF4-FFF2-40B4-BE49-F238E27FC236}">
+                <a16:creationId xmlns:a16="http://schemas.microsoft.com/office/drawing/2014/main" id="{AC175D4F-3681-0441-9C9A-3ED3A02B88E6}"/>
+              </a:ext>
+            </a:extLst>
+          </p:cNvPr>
+          <p:cNvSpPr txBox="1"/>
+          <p:nvPr/>
+        </p:nvSpPr>
+        <p:spPr>
+          <a:xfrm>
+            <a:off x="205106" y="1537628"/>
+            <a:ext cx="2650534" cy="523220"/>
+          </a:xfrm>
+          <a:prstGeom prst="rect">
+            <a:avLst/>
+          </a:prstGeom>
+          <a:noFill/>
+        </p:spPr>
+        <p:txBody>
+          <a:bodyPr wrap="none" rtlCol="0">
+            <a:spAutoFit/>
+          </a:bodyPr>
+          <a:lstStyle/>
+          <a:p>
+            <a:pPr algn="l"/>
+            <a:r>
+              <a:rPr lang="en-US" sz="2800" dirty="0">
+                <a:solidFill>
+                  <a:schemeClr val="bg1">
+                    <a:lumMod val="75000"/>
+                  </a:schemeClr>
+                </a:solidFill>
+              </a:rPr>
+              <a:t>General formula:</a:t>
+            </a:r>
+          </a:p>
+        </p:txBody>
+      </p:sp>
+      <p:sp>
+        <p:nvSpPr>
+          <p:cNvPr id="13" name="TextBox 12">
+            <a:extLst>
+              <a:ext uri="{FF2B5EF4-FFF2-40B4-BE49-F238E27FC236}">
+                <a16:creationId xmlns:a16="http://schemas.microsoft.com/office/drawing/2014/main" id="{5D509BAC-5D0C-7D48-A4F2-99E3BA6F8196}"/>
+              </a:ext>
+            </a:extLst>
+          </p:cNvPr>
+          <p:cNvSpPr txBox="1"/>
+          <p:nvPr/>
+        </p:nvSpPr>
+        <p:spPr>
+          <a:xfrm>
+            <a:off x="6384032" y="1518306"/>
+            <a:ext cx="3782574" cy="523220"/>
+          </a:xfrm>
+          <a:prstGeom prst="rect">
+            <a:avLst/>
+          </a:prstGeom>
+          <a:noFill/>
+        </p:spPr>
+        <p:txBody>
+          <a:bodyPr wrap="none" rtlCol="0">
+            <a:spAutoFit/>
+          </a:bodyPr>
+          <a:lstStyle/>
+          <a:p>
+            <a:pPr algn="l"/>
+            <a:r>
+              <a:rPr lang="en-US" sz="2800" dirty="0">
+                <a:solidFill>
+                  <a:schemeClr val="bg1">
+                    <a:lumMod val="75000"/>
+                  </a:schemeClr>
+                </a:solidFill>
+              </a:rPr>
+              <a:t>One-hot specific formula:</a:t>
+            </a:r>
+          </a:p>
+        </p:txBody>
+      </p:sp>
+      <p:pic>
+        <p:nvPicPr>
+          <p:cNvPr id="14" name="Picture 13">
+            <a:extLst>
+              <a:ext uri="{FF2B5EF4-FFF2-40B4-BE49-F238E27FC236}">
+                <a16:creationId xmlns:a16="http://schemas.microsoft.com/office/drawing/2014/main" id="{852521AF-6081-E644-A382-D64FB2211D9F}"/>
+              </a:ext>
+            </a:extLst>
+          </p:cNvPr>
+          <p:cNvPicPr>
+            <a:picLocks noChangeAspect="1"/>
+          </p:cNvPicPr>
+          <p:nvPr/>
+        </p:nvPicPr>
+        <p:blipFill>
+          <a:blip r:embed="rId4"/>
+          <a:stretch>
+            <a:fillRect/>
+          </a:stretch>
+        </p:blipFill>
+        <p:spPr>
+          <a:xfrm>
+            <a:off x="191344" y="2721115"/>
+            <a:ext cx="5458166" cy="707885"/>
+          </a:xfrm>
+          <a:prstGeom prst="rect">
+            <a:avLst/>
+          </a:prstGeom>
+        </p:spPr>
+      </p:pic>
+      <p:pic>
+        <p:nvPicPr>
+          <p:cNvPr id="16" name="Picture 15">
+            <a:extLst>
+              <a:ext uri="{FF2B5EF4-FFF2-40B4-BE49-F238E27FC236}">
+                <a16:creationId xmlns:a16="http://schemas.microsoft.com/office/drawing/2014/main" id="{A15E9FA3-0F5D-C247-8985-76693C4DF5AD}"/>
+              </a:ext>
+            </a:extLst>
+          </p:cNvPr>
+          <p:cNvPicPr>
+            <a:picLocks noChangeAspect="1"/>
+          </p:cNvPicPr>
+          <p:nvPr/>
+        </p:nvPicPr>
+        <p:blipFill>
+          <a:blip r:embed="rId5"/>
+          <a:stretch>
+            <a:fillRect/>
+          </a:stretch>
+        </p:blipFill>
+        <p:spPr>
+          <a:xfrm>
+            <a:off x="6384032" y="2725892"/>
+            <a:ext cx="5458166" cy="631100"/>
+          </a:xfrm>
+          <a:prstGeom prst="rect">
+            <a:avLst/>
+          </a:prstGeom>
+        </p:spPr>
+      </p:pic>
+      <p:pic>
+        <p:nvPicPr>
+          <p:cNvPr id="18" name="Picture 17">
+            <a:extLst>
+              <a:ext uri="{FF2B5EF4-FFF2-40B4-BE49-F238E27FC236}">
+                <a16:creationId xmlns:a16="http://schemas.microsoft.com/office/drawing/2014/main" id="{3C4B1746-5AB7-4E4B-95CF-BE769394CD49}"/>
+              </a:ext>
+            </a:extLst>
+          </p:cNvPr>
+          <p:cNvPicPr>
+            <a:picLocks noChangeAspect="1"/>
+          </p:cNvPicPr>
+          <p:nvPr/>
+        </p:nvPicPr>
+        <p:blipFill>
+          <a:blip r:embed="rId6"/>
+          <a:stretch>
+            <a:fillRect/>
+          </a:stretch>
+        </p:blipFill>
+        <p:spPr>
+          <a:xfrm>
+            <a:off x="7248128" y="3381148"/>
+            <a:ext cx="3479800" cy="3441700"/>
+          </a:xfrm>
+          <a:prstGeom prst="rect">
+            <a:avLst/>
+          </a:prstGeom>
+        </p:spPr>
+      </p:pic>
+      <p:pic>
+        <p:nvPicPr>
+          <p:cNvPr id="21" name="Picture 20">
+            <a:extLst>
+              <a:ext uri="{FF2B5EF4-FFF2-40B4-BE49-F238E27FC236}">
+                <a16:creationId xmlns:a16="http://schemas.microsoft.com/office/drawing/2014/main" id="{E11C9356-3203-124B-B394-B8647E12F597}"/>
+              </a:ext>
+            </a:extLst>
+          </p:cNvPr>
+          <p:cNvPicPr>
+            <a:picLocks noChangeAspect="1"/>
+          </p:cNvPicPr>
+          <p:nvPr/>
+        </p:nvPicPr>
+        <p:blipFill>
+          <a:blip r:embed="rId7"/>
+          <a:stretch>
+            <a:fillRect/>
+          </a:stretch>
+        </p:blipFill>
+        <p:spPr>
+          <a:xfrm>
+            <a:off x="1156292" y="3467100"/>
+            <a:ext cx="3429000" cy="3390900"/>
+          </a:xfrm>
+          <a:prstGeom prst="rect">
+            <a:avLst/>
+          </a:prstGeom>
+        </p:spPr>
+      </p:pic>
     </p:spTree>
     <p:extLst>
       <p:ext uri="{BB962C8B-B14F-4D97-AF65-F5344CB8AC3E}">
         <p14:creationId xmlns:p14="http://schemas.microsoft.com/office/powerpoint/2010/main" val="1588676672"/>
+      </p:ext>
+    </p:extLst>
+  </p:cSld>
+  <p:clrMapOvr>
+    <a:masterClrMapping/>
+  </p:clrMapOvr>
+</p:sld>
+</file>
+
+<file path=ppt/slides/slide8.xml><?xml version="1.0" encoding="utf-8"?>
+<p:sld xmlns:a="http://schemas.openxmlformats.org/drawingml/2006/main" xmlns:r="http://schemas.openxmlformats.org/officeDocument/2006/relationships" xmlns:p="http://schemas.openxmlformats.org/presentationml/2006/main">
+  <p:cSld>
+    <p:spTree>
+      <p:nvGrpSpPr>
+        <p:cNvPr id="1" name=""/>
+        <p:cNvGrpSpPr/>
+        <p:nvPr/>
+      </p:nvGrpSpPr>
+      <p:grpSpPr>
+        <a:xfrm>
+          <a:off x="0" y="0"/>
+          <a:ext cx="0" cy="0"/>
+          <a:chOff x="0" y="0"/>
+          <a:chExt cx="0" cy="0"/>
+        </a:xfrm>
+      </p:grpSpPr>
+      <p:sp>
+        <p:nvSpPr>
+          <p:cNvPr id="2" name="Title 1">
+            <a:extLst>
+              <a:ext uri="{FF2B5EF4-FFF2-40B4-BE49-F238E27FC236}">
+                <a16:creationId xmlns:a16="http://schemas.microsoft.com/office/drawing/2014/main" id="{E7127042-FCF2-7747-B01B-8E567FB0EE9E}"/>
+              </a:ext>
+            </a:extLst>
+          </p:cNvPr>
+          <p:cNvSpPr>
+            <a:spLocks noGrp="1"/>
+          </p:cNvSpPr>
+          <p:nvPr>
+            <p:ph type="title"/>
+          </p:nvPr>
+        </p:nvSpPr>
+        <p:spPr/>
+        <p:txBody>
+          <a:bodyPr/>
+          <a:lstStyle/>
+          <a:p>
+            <a:r>
+              <a:rPr lang="en-US" dirty="0"/>
+              <a:t>Motion models </a:t>
+            </a:r>
+          </a:p>
+        </p:txBody>
+      </p:sp>
+      <p:grpSp>
+        <p:nvGrpSpPr>
+          <p:cNvPr id="3" name="Group 2">
+            <a:extLst>
+              <a:ext uri="{FF2B5EF4-FFF2-40B4-BE49-F238E27FC236}">
+                <a16:creationId xmlns:a16="http://schemas.microsoft.com/office/drawing/2014/main" id="{0019AEB9-D6D0-AB42-BA6D-8E114C5484DE}"/>
+              </a:ext>
+            </a:extLst>
+          </p:cNvPr>
+          <p:cNvGrpSpPr/>
+          <p:nvPr/>
+        </p:nvGrpSpPr>
+        <p:grpSpPr>
+          <a:xfrm>
+            <a:off x="119336" y="1196752"/>
+            <a:ext cx="11665296" cy="2880320"/>
+            <a:chOff x="119336" y="1196752"/>
+            <a:chExt cx="11665296" cy="2880320"/>
+          </a:xfrm>
+        </p:grpSpPr>
+        <p:grpSp>
+          <p:nvGrpSpPr>
+            <p:cNvPr id="11" name="Group 10">
+              <a:extLst>
+                <a:ext uri="{FF2B5EF4-FFF2-40B4-BE49-F238E27FC236}">
+                  <a16:creationId xmlns:a16="http://schemas.microsoft.com/office/drawing/2014/main" id="{A88BC323-412C-144A-A8C2-4694EE2F46A4}"/>
+                </a:ext>
+              </a:extLst>
+            </p:cNvPr>
+            <p:cNvGrpSpPr/>
+            <p:nvPr/>
+          </p:nvGrpSpPr>
+          <p:grpSpPr>
+            <a:xfrm>
+              <a:off x="119336" y="1196752"/>
+              <a:ext cx="11665296" cy="2880320"/>
+              <a:chOff x="119336" y="1556792"/>
+              <a:chExt cx="11665296" cy="2880320"/>
+            </a:xfrm>
+          </p:grpSpPr>
+          <p:pic>
+            <p:nvPicPr>
+              <p:cNvPr id="8" name="Picture 7">
+                <a:extLst>
+                  <a:ext uri="{FF2B5EF4-FFF2-40B4-BE49-F238E27FC236}">
+                    <a16:creationId xmlns:a16="http://schemas.microsoft.com/office/drawing/2014/main" id="{F305670D-4FB3-8D45-98F4-6AFBE606F97F}"/>
+                  </a:ext>
+                </a:extLst>
+              </p:cNvPr>
+              <p:cNvPicPr>
+                <a:picLocks noChangeAspect="1"/>
+              </p:cNvPicPr>
+              <p:nvPr/>
+            </p:nvPicPr>
+            <p:blipFill>
+              <a:blip r:embed="rId2"/>
+              <a:srcRect/>
+              <a:stretch/>
+            </p:blipFill>
+            <p:spPr>
+              <a:xfrm>
+                <a:off x="119336" y="1556792"/>
+                <a:ext cx="2880320" cy="2880320"/>
+              </a:xfrm>
+              <a:prstGeom prst="rect">
+                <a:avLst/>
+              </a:prstGeom>
+            </p:spPr>
+          </p:pic>
+          <p:pic>
+            <p:nvPicPr>
+              <p:cNvPr id="9" name="Picture 8">
+                <a:extLst>
+                  <a:ext uri="{FF2B5EF4-FFF2-40B4-BE49-F238E27FC236}">
+                    <a16:creationId xmlns:a16="http://schemas.microsoft.com/office/drawing/2014/main" id="{3452697B-A43F-B64B-9314-6E560EE13768}"/>
+                  </a:ext>
+                </a:extLst>
+              </p:cNvPr>
+              <p:cNvPicPr>
+                <a:picLocks noChangeAspect="1"/>
+              </p:cNvPicPr>
+              <p:nvPr/>
+            </p:nvPicPr>
+            <p:blipFill>
+              <a:blip r:embed="rId3"/>
+              <a:srcRect/>
+              <a:stretch/>
+            </p:blipFill>
+            <p:spPr>
+              <a:xfrm>
+                <a:off x="4524160" y="1556792"/>
+                <a:ext cx="2880320" cy="2880320"/>
+              </a:xfrm>
+              <a:prstGeom prst="rect">
+                <a:avLst/>
+              </a:prstGeom>
+            </p:spPr>
+          </p:pic>
+          <p:pic>
+            <p:nvPicPr>
+              <p:cNvPr id="10" name="Picture 9">
+                <a:extLst>
+                  <a:ext uri="{FF2B5EF4-FFF2-40B4-BE49-F238E27FC236}">
+                    <a16:creationId xmlns:a16="http://schemas.microsoft.com/office/drawing/2014/main" id="{7E75BEF6-87FC-0044-9045-6BDFF2A21768}"/>
+                  </a:ext>
+                </a:extLst>
+              </p:cNvPr>
+              <p:cNvPicPr>
+                <a:picLocks noChangeAspect="1"/>
+              </p:cNvPicPr>
+              <p:nvPr/>
+            </p:nvPicPr>
+            <p:blipFill>
+              <a:blip r:embed="rId4"/>
+              <a:srcRect/>
+              <a:stretch/>
+            </p:blipFill>
+            <p:spPr>
+              <a:xfrm>
+                <a:off x="8904312" y="1556792"/>
+                <a:ext cx="2880320" cy="2880320"/>
+              </a:xfrm>
+              <a:prstGeom prst="rect">
+                <a:avLst/>
+              </a:prstGeom>
+            </p:spPr>
+          </p:pic>
+        </p:grpSp>
+        <p:sp>
+          <p:nvSpPr>
+            <p:cNvPr id="4" name="TextBox 3">
+              <a:extLst>
+                <a:ext uri="{FF2B5EF4-FFF2-40B4-BE49-F238E27FC236}">
+                  <a16:creationId xmlns:a16="http://schemas.microsoft.com/office/drawing/2014/main" id="{C91F7194-C577-9245-A9E5-2322C6F1070D}"/>
+                </a:ext>
+              </a:extLst>
+            </p:cNvPr>
+            <p:cNvSpPr txBox="1"/>
+            <p:nvPr/>
+          </p:nvSpPr>
+          <p:spPr>
+            <a:xfrm>
+              <a:off x="455226" y="1196851"/>
+              <a:ext cx="1536318" cy="369332"/>
+            </a:xfrm>
+            <a:prstGeom prst="rect">
+              <a:avLst/>
+            </a:prstGeom>
+            <a:noFill/>
+          </p:spPr>
+          <p:txBody>
+            <a:bodyPr wrap="none" rtlCol="0">
+              <a:spAutoFit/>
+            </a:bodyPr>
+            <a:lstStyle/>
+            <a:p>
+              <a:pPr algn="l"/>
+              <a:r>
+                <a:rPr lang="en-US" dirty="0">
+                  <a:solidFill>
+                    <a:schemeClr val="bg1">
+                      <a:lumMod val="60000"/>
+                      <a:lumOff val="40000"/>
+                    </a:schemeClr>
+                  </a:solidFill>
+                </a:rPr>
+                <a:t>Random Walk </a:t>
+              </a:r>
+            </a:p>
+          </p:txBody>
+        </p:sp>
+        <p:sp>
+          <p:nvSpPr>
+            <p:cNvPr id="5" name="TextBox 4">
+              <a:extLst>
+                <a:ext uri="{FF2B5EF4-FFF2-40B4-BE49-F238E27FC236}">
+                  <a16:creationId xmlns:a16="http://schemas.microsoft.com/office/drawing/2014/main" id="{B2FF2F5B-9BB2-EF49-8A45-59BDEDE47154}"/>
+                </a:ext>
+              </a:extLst>
+            </p:cNvPr>
+            <p:cNvSpPr txBox="1"/>
+            <p:nvPr/>
+          </p:nvSpPr>
+          <p:spPr>
+            <a:xfrm>
+              <a:off x="4871864" y="1196851"/>
+              <a:ext cx="888769" cy="369332"/>
+            </a:xfrm>
+            <a:prstGeom prst="rect">
+              <a:avLst/>
+            </a:prstGeom>
+            <a:noFill/>
+          </p:spPr>
+          <p:txBody>
+            <a:bodyPr wrap="none" rtlCol="0">
+              <a:spAutoFit/>
+            </a:bodyPr>
+            <a:lstStyle/>
+            <a:p>
+              <a:pPr algn="l"/>
+              <a:r>
+                <a:rPr lang="en-US" dirty="0" err="1">
+                  <a:solidFill>
+                    <a:schemeClr val="bg1">
+                      <a:lumMod val="60000"/>
+                      <a:lumOff val="40000"/>
+                    </a:schemeClr>
+                  </a:solidFill>
+                </a:rPr>
+                <a:t>Raudies</a:t>
+              </a:r>
+              <a:endParaRPr lang="en-US" dirty="0">
+                <a:solidFill>
+                  <a:schemeClr val="bg1">
+                    <a:lumMod val="60000"/>
+                    <a:lumOff val="40000"/>
+                  </a:schemeClr>
+                </a:solidFill>
+              </a:endParaRPr>
+            </a:p>
+          </p:txBody>
+        </p:sp>
+        <p:sp>
+          <p:nvSpPr>
+            <p:cNvPr id="6" name="TextBox 5">
+              <a:extLst>
+                <a:ext uri="{FF2B5EF4-FFF2-40B4-BE49-F238E27FC236}">
+                  <a16:creationId xmlns:a16="http://schemas.microsoft.com/office/drawing/2014/main" id="{437B3FA7-EC0D-9D40-889A-1509ACC92AF0}"/>
+                </a:ext>
+              </a:extLst>
+            </p:cNvPr>
+            <p:cNvSpPr txBox="1"/>
+            <p:nvPr/>
+          </p:nvSpPr>
+          <p:spPr>
+            <a:xfrm>
+              <a:off x="9192344" y="1196851"/>
+              <a:ext cx="2164119" cy="369332"/>
+            </a:xfrm>
+            <a:prstGeom prst="rect">
+              <a:avLst/>
+            </a:prstGeom>
+            <a:noFill/>
+          </p:spPr>
+          <p:txBody>
+            <a:bodyPr wrap="none" rtlCol="0">
+              <a:spAutoFit/>
+            </a:bodyPr>
+            <a:lstStyle/>
+            <a:p>
+              <a:pPr algn="l"/>
+              <a:r>
+                <a:rPr lang="en-US" dirty="0">
+                  <a:solidFill>
+                    <a:schemeClr val="bg1">
+                      <a:lumMod val="60000"/>
+                      <a:lumOff val="40000"/>
+                    </a:schemeClr>
+                  </a:solidFill>
+                </a:rPr>
+                <a:t>Windows screensaver</a:t>
+              </a:r>
+            </a:p>
+          </p:txBody>
+        </p:sp>
+      </p:grpSp>
+      <p:pic>
+        <p:nvPicPr>
+          <p:cNvPr id="13" name="Picture 12">
+            <a:extLst>
+              <a:ext uri="{FF2B5EF4-FFF2-40B4-BE49-F238E27FC236}">
+                <a16:creationId xmlns:a16="http://schemas.microsoft.com/office/drawing/2014/main" id="{CAA2F9B7-D1D7-6643-A1F7-151F0ED3D06D}"/>
+              </a:ext>
+            </a:extLst>
+          </p:cNvPr>
+          <p:cNvPicPr>
+            <a:picLocks noChangeAspect="1"/>
+          </p:cNvPicPr>
+          <p:nvPr/>
+        </p:nvPicPr>
+        <p:blipFill>
+          <a:blip r:embed="rId5"/>
+          <a:stretch>
+            <a:fillRect/>
+          </a:stretch>
+        </p:blipFill>
+        <p:spPr>
+          <a:xfrm>
+            <a:off x="-24680" y="3856806"/>
+            <a:ext cx="1620000" cy="1620000"/>
+          </a:xfrm>
+          <a:prstGeom prst="rect">
+            <a:avLst/>
+          </a:prstGeom>
+        </p:spPr>
+      </p:pic>
+      <p:pic>
+        <p:nvPicPr>
+          <p:cNvPr id="15" name="Picture 14">
+            <a:extLst>
+              <a:ext uri="{FF2B5EF4-FFF2-40B4-BE49-F238E27FC236}">
+                <a16:creationId xmlns:a16="http://schemas.microsoft.com/office/drawing/2014/main" id="{F6C8F593-6A09-3944-BE68-02B004658BDA}"/>
+              </a:ext>
+            </a:extLst>
+          </p:cNvPr>
+          <p:cNvPicPr>
+            <a:picLocks noChangeAspect="1"/>
+          </p:cNvPicPr>
+          <p:nvPr/>
+        </p:nvPicPr>
+        <p:blipFill>
+          <a:blip r:embed="rId6"/>
+          <a:stretch>
+            <a:fillRect/>
+          </a:stretch>
+        </p:blipFill>
+        <p:spPr>
+          <a:xfrm>
+            <a:off x="1487488" y="3873371"/>
+            <a:ext cx="1620000" cy="1620000"/>
+          </a:xfrm>
+          <a:prstGeom prst="rect">
+            <a:avLst/>
+          </a:prstGeom>
+        </p:spPr>
+      </p:pic>
+      <p:pic>
+        <p:nvPicPr>
+          <p:cNvPr id="17" name="Picture 16">
+            <a:extLst>
+              <a:ext uri="{FF2B5EF4-FFF2-40B4-BE49-F238E27FC236}">
+                <a16:creationId xmlns:a16="http://schemas.microsoft.com/office/drawing/2014/main" id="{16184BA0-FF20-0F43-88B4-F0151CEC589F}"/>
+              </a:ext>
+            </a:extLst>
+          </p:cNvPr>
+          <p:cNvPicPr>
+            <a:picLocks noChangeAspect="1"/>
+          </p:cNvPicPr>
+          <p:nvPr/>
+        </p:nvPicPr>
+        <p:blipFill>
+          <a:blip r:embed="rId7"/>
+          <a:stretch>
+            <a:fillRect/>
+          </a:stretch>
+        </p:blipFill>
+        <p:spPr>
+          <a:xfrm>
+            <a:off x="4295800" y="3877197"/>
+            <a:ext cx="1620000" cy="1620000"/>
+          </a:xfrm>
+          <a:prstGeom prst="rect">
+            <a:avLst/>
+          </a:prstGeom>
+        </p:spPr>
+      </p:pic>
+      <p:pic>
+        <p:nvPicPr>
+          <p:cNvPr id="19" name="Picture 18">
+            <a:extLst>
+              <a:ext uri="{FF2B5EF4-FFF2-40B4-BE49-F238E27FC236}">
+                <a16:creationId xmlns:a16="http://schemas.microsoft.com/office/drawing/2014/main" id="{668BF39A-720D-0946-A60C-B4BA110863ED}"/>
+              </a:ext>
+            </a:extLst>
+          </p:cNvPr>
+          <p:cNvPicPr>
+            <a:picLocks noChangeAspect="1"/>
+          </p:cNvPicPr>
+          <p:nvPr/>
+        </p:nvPicPr>
+        <p:blipFill>
+          <a:blip r:embed="rId8"/>
+          <a:stretch>
+            <a:fillRect/>
+          </a:stretch>
+        </p:blipFill>
+        <p:spPr>
+          <a:xfrm>
+            <a:off x="5807968" y="3873371"/>
+            <a:ext cx="1620000" cy="1620000"/>
+          </a:xfrm>
+          <a:prstGeom prst="rect">
+            <a:avLst/>
+          </a:prstGeom>
+        </p:spPr>
+      </p:pic>
+      <p:pic>
+        <p:nvPicPr>
+          <p:cNvPr id="21" name="Picture 20">
+            <a:extLst>
+              <a:ext uri="{FF2B5EF4-FFF2-40B4-BE49-F238E27FC236}">
+                <a16:creationId xmlns:a16="http://schemas.microsoft.com/office/drawing/2014/main" id="{06504E87-124A-564F-AA09-3CABD831E5DD}"/>
+              </a:ext>
+            </a:extLst>
+          </p:cNvPr>
+          <p:cNvPicPr>
+            <a:picLocks noChangeAspect="1"/>
+          </p:cNvPicPr>
+          <p:nvPr/>
+        </p:nvPicPr>
+        <p:blipFill>
+          <a:blip r:embed="rId9"/>
+          <a:stretch>
+            <a:fillRect/>
+          </a:stretch>
+        </p:blipFill>
+        <p:spPr>
+          <a:xfrm>
+            <a:off x="9012504" y="3877197"/>
+            <a:ext cx="1620000" cy="1620000"/>
+          </a:xfrm>
+          <a:prstGeom prst="rect">
+            <a:avLst/>
+          </a:prstGeom>
+        </p:spPr>
+      </p:pic>
+      <p:pic>
+        <p:nvPicPr>
+          <p:cNvPr id="23" name="Picture 22">
+            <a:extLst>
+              <a:ext uri="{FF2B5EF4-FFF2-40B4-BE49-F238E27FC236}">
+                <a16:creationId xmlns:a16="http://schemas.microsoft.com/office/drawing/2014/main" id="{73DE1FE6-A9DD-6240-9170-AB6B72C843D4}"/>
+              </a:ext>
+            </a:extLst>
+          </p:cNvPr>
+          <p:cNvPicPr>
+            <a:picLocks noChangeAspect="1"/>
+          </p:cNvPicPr>
+          <p:nvPr/>
+        </p:nvPicPr>
+        <p:blipFill>
+          <a:blip r:embed="rId10"/>
+          <a:stretch>
+            <a:fillRect/>
+          </a:stretch>
+        </p:blipFill>
+        <p:spPr>
+          <a:xfrm>
+            <a:off x="10524672" y="3877197"/>
+            <a:ext cx="1620000" cy="1620000"/>
+          </a:xfrm>
+          <a:prstGeom prst="rect">
+            <a:avLst/>
+          </a:prstGeom>
+        </p:spPr>
+      </p:pic>
+      <p:pic>
+        <p:nvPicPr>
+          <p:cNvPr id="25" name="Picture 24">
+            <a:extLst>
+              <a:ext uri="{FF2B5EF4-FFF2-40B4-BE49-F238E27FC236}">
+                <a16:creationId xmlns:a16="http://schemas.microsoft.com/office/drawing/2014/main" id="{84D21519-BE44-A54E-8D8E-53E99DFC7735}"/>
+              </a:ext>
+            </a:extLst>
+          </p:cNvPr>
+          <p:cNvPicPr>
+            <a:picLocks noChangeAspect="1"/>
+          </p:cNvPicPr>
+          <p:nvPr/>
+        </p:nvPicPr>
+        <p:blipFill>
+          <a:blip r:embed="rId11"/>
+          <a:stretch>
+            <a:fillRect/>
+          </a:stretch>
+        </p:blipFill>
+        <p:spPr>
+          <a:xfrm>
+            <a:off x="-312712" y="5301208"/>
+            <a:ext cx="1472400" cy="1472400"/>
+          </a:xfrm>
+          <a:prstGeom prst="rect">
+            <a:avLst/>
+          </a:prstGeom>
+        </p:spPr>
+      </p:pic>
+      <p:pic>
+        <p:nvPicPr>
+          <p:cNvPr id="27" name="Picture 26">
+            <a:extLst>
+              <a:ext uri="{FF2B5EF4-FFF2-40B4-BE49-F238E27FC236}">
+                <a16:creationId xmlns:a16="http://schemas.microsoft.com/office/drawing/2014/main" id="{7A9F7A3D-50C8-2548-9A5E-4C9F070709AD}"/>
+              </a:ext>
+            </a:extLst>
+          </p:cNvPr>
+          <p:cNvPicPr>
+            <a:picLocks noChangeAspect="1"/>
+          </p:cNvPicPr>
+          <p:nvPr/>
+        </p:nvPicPr>
+        <p:blipFill>
+          <a:blip r:embed="rId12"/>
+          <a:stretch>
+            <a:fillRect/>
+          </a:stretch>
+        </p:blipFill>
+        <p:spPr>
+          <a:xfrm>
+            <a:off x="1019600" y="5301208"/>
+            <a:ext cx="1476000" cy="1476000"/>
+          </a:xfrm>
+          <a:prstGeom prst="rect">
+            <a:avLst/>
+          </a:prstGeom>
+        </p:spPr>
+      </p:pic>
+      <p:pic>
+        <p:nvPicPr>
+          <p:cNvPr id="29" name="Picture 28">
+            <a:extLst>
+              <a:ext uri="{FF2B5EF4-FFF2-40B4-BE49-F238E27FC236}">
+                <a16:creationId xmlns:a16="http://schemas.microsoft.com/office/drawing/2014/main" id="{088723AA-2FC1-7B48-AD33-537539F6B11F}"/>
+              </a:ext>
+            </a:extLst>
+          </p:cNvPr>
+          <p:cNvPicPr>
+            <a:picLocks noChangeAspect="1"/>
+          </p:cNvPicPr>
+          <p:nvPr/>
+        </p:nvPicPr>
+        <p:blipFill>
+          <a:blip r:embed="rId13"/>
+          <a:stretch>
+            <a:fillRect/>
+          </a:stretch>
+        </p:blipFill>
+        <p:spPr>
+          <a:xfrm>
+            <a:off x="2351584" y="5301208"/>
+            <a:ext cx="1476000" cy="1476000"/>
+          </a:xfrm>
+          <a:prstGeom prst="rect">
+            <a:avLst/>
+          </a:prstGeom>
+        </p:spPr>
+      </p:pic>
+      <p:pic>
+        <p:nvPicPr>
+          <p:cNvPr id="31" name="Picture 30">
+            <a:extLst>
+              <a:ext uri="{FF2B5EF4-FFF2-40B4-BE49-F238E27FC236}">
+                <a16:creationId xmlns:a16="http://schemas.microsoft.com/office/drawing/2014/main" id="{03BCFA42-9352-9D42-B898-CDC6970C7C95}"/>
+              </a:ext>
+            </a:extLst>
+          </p:cNvPr>
+          <p:cNvPicPr>
+            <a:picLocks noChangeAspect="1"/>
+          </p:cNvPicPr>
+          <p:nvPr/>
+        </p:nvPicPr>
+        <p:blipFill>
+          <a:blip r:embed="rId14"/>
+          <a:stretch>
+            <a:fillRect/>
+          </a:stretch>
+        </p:blipFill>
+        <p:spPr>
+          <a:xfrm>
+            <a:off x="3755904" y="5337376"/>
+            <a:ext cx="1476000" cy="1476000"/>
+          </a:xfrm>
+          <a:prstGeom prst="rect">
+            <a:avLst/>
+          </a:prstGeom>
+        </p:spPr>
+      </p:pic>
+      <p:pic>
+        <p:nvPicPr>
+          <p:cNvPr id="33" name="Picture 32">
+            <a:extLst>
+              <a:ext uri="{FF2B5EF4-FFF2-40B4-BE49-F238E27FC236}">
+                <a16:creationId xmlns:a16="http://schemas.microsoft.com/office/drawing/2014/main" id="{AE75BBFE-964D-1A42-BCC5-EFF66BABD6DB}"/>
+              </a:ext>
+            </a:extLst>
+          </p:cNvPr>
+          <p:cNvPicPr>
+            <a:picLocks noChangeAspect="1"/>
+          </p:cNvPicPr>
+          <p:nvPr/>
+        </p:nvPicPr>
+        <p:blipFill>
+          <a:blip r:embed="rId15"/>
+          <a:stretch>
+            <a:fillRect/>
+          </a:stretch>
+        </p:blipFill>
+        <p:spPr>
+          <a:xfrm>
+            <a:off x="5124056" y="5337376"/>
+            <a:ext cx="1476000" cy="1476000"/>
+          </a:xfrm>
+          <a:prstGeom prst="rect">
+            <a:avLst/>
+          </a:prstGeom>
+        </p:spPr>
+      </p:pic>
+      <p:pic>
+        <p:nvPicPr>
+          <p:cNvPr id="35" name="Picture 34">
+            <a:extLst>
+              <a:ext uri="{FF2B5EF4-FFF2-40B4-BE49-F238E27FC236}">
+                <a16:creationId xmlns:a16="http://schemas.microsoft.com/office/drawing/2014/main" id="{42A9BB0C-0836-AB4E-BFDD-652C66477C93}"/>
+              </a:ext>
+            </a:extLst>
+          </p:cNvPr>
+          <p:cNvPicPr>
+            <a:picLocks noChangeAspect="1"/>
+          </p:cNvPicPr>
+          <p:nvPr/>
+        </p:nvPicPr>
+        <p:blipFill>
+          <a:blip r:embed="rId16"/>
+          <a:stretch>
+            <a:fillRect/>
+          </a:stretch>
+        </p:blipFill>
+        <p:spPr>
+          <a:xfrm>
+            <a:off x="6492208" y="5337376"/>
+            <a:ext cx="1476000" cy="1476000"/>
+          </a:xfrm>
+          <a:prstGeom prst="rect">
+            <a:avLst/>
+          </a:prstGeom>
+        </p:spPr>
+      </p:pic>
+      <p:pic>
+        <p:nvPicPr>
+          <p:cNvPr id="37" name="Picture 36">
+            <a:extLst>
+              <a:ext uri="{FF2B5EF4-FFF2-40B4-BE49-F238E27FC236}">
+                <a16:creationId xmlns:a16="http://schemas.microsoft.com/office/drawing/2014/main" id="{31CB16B6-5C46-884F-A04F-7E0BA4FAE6AE}"/>
+              </a:ext>
+            </a:extLst>
+          </p:cNvPr>
+          <p:cNvPicPr>
+            <a:picLocks noChangeAspect="1"/>
+          </p:cNvPicPr>
+          <p:nvPr/>
+        </p:nvPicPr>
+        <p:blipFill>
+          <a:blip r:embed="rId17"/>
+          <a:stretch>
+            <a:fillRect/>
+          </a:stretch>
+        </p:blipFill>
+        <p:spPr>
+          <a:xfrm>
+            <a:off x="8076384" y="5337376"/>
+            <a:ext cx="1476000" cy="1476000"/>
+          </a:xfrm>
+          <a:prstGeom prst="rect">
+            <a:avLst/>
+          </a:prstGeom>
+        </p:spPr>
+      </p:pic>
+      <p:pic>
+        <p:nvPicPr>
+          <p:cNvPr id="39" name="Picture 38">
+            <a:extLst>
+              <a:ext uri="{FF2B5EF4-FFF2-40B4-BE49-F238E27FC236}">
+                <a16:creationId xmlns:a16="http://schemas.microsoft.com/office/drawing/2014/main" id="{637900A0-AB6A-9045-A5DA-100DDA1FD596}"/>
+              </a:ext>
+            </a:extLst>
+          </p:cNvPr>
+          <p:cNvPicPr>
+            <a:picLocks noChangeAspect="1"/>
+          </p:cNvPicPr>
+          <p:nvPr/>
+        </p:nvPicPr>
+        <p:blipFill>
+          <a:blip r:embed="rId18"/>
+          <a:stretch>
+            <a:fillRect/>
+          </a:stretch>
+        </p:blipFill>
+        <p:spPr>
+          <a:xfrm>
+            <a:off x="9444536" y="5337376"/>
+            <a:ext cx="1476000" cy="1476000"/>
+          </a:xfrm>
+          <a:prstGeom prst="rect">
+            <a:avLst/>
+          </a:prstGeom>
+        </p:spPr>
+      </p:pic>
+      <p:pic>
+        <p:nvPicPr>
+          <p:cNvPr id="41" name="Picture 40">
+            <a:extLst>
+              <a:ext uri="{FF2B5EF4-FFF2-40B4-BE49-F238E27FC236}">
+                <a16:creationId xmlns:a16="http://schemas.microsoft.com/office/drawing/2014/main" id="{3C2FAFEC-3306-0243-85AE-D4492B26A8A7}"/>
+              </a:ext>
+            </a:extLst>
+          </p:cNvPr>
+          <p:cNvPicPr>
+            <a:picLocks noChangeAspect="1"/>
+          </p:cNvPicPr>
+          <p:nvPr/>
+        </p:nvPicPr>
+        <p:blipFill>
+          <a:blip r:embed="rId19"/>
+          <a:stretch>
+            <a:fillRect/>
+          </a:stretch>
+        </p:blipFill>
+        <p:spPr>
+          <a:xfrm>
+            <a:off x="10812688" y="5337376"/>
+            <a:ext cx="1476000" cy="1476000"/>
+          </a:xfrm>
+          <a:prstGeom prst="rect">
+            <a:avLst/>
+          </a:prstGeom>
+        </p:spPr>
+      </p:pic>
+      <p:cxnSp>
+        <p:nvCxnSpPr>
+          <p:cNvPr id="43" name="Straight Connector 42">
+            <a:extLst>
+              <a:ext uri="{FF2B5EF4-FFF2-40B4-BE49-F238E27FC236}">
+                <a16:creationId xmlns:a16="http://schemas.microsoft.com/office/drawing/2014/main" id="{B6B9151C-C85C-9741-8F27-C24787610F82}"/>
+              </a:ext>
+            </a:extLst>
+          </p:cNvPr>
+          <p:cNvCxnSpPr/>
+          <p:nvPr/>
+        </p:nvCxnSpPr>
+        <p:spPr>
+          <a:xfrm flipV="1">
+            <a:off x="3775460" y="1148514"/>
+            <a:ext cx="15940" cy="5664862"/>
+          </a:xfrm>
+          <a:prstGeom prst="line">
+            <a:avLst/>
+          </a:prstGeom>
+        </p:spPr>
+        <p:style>
+          <a:lnRef idx="1">
+            <a:schemeClr val="accent1"/>
+          </a:lnRef>
+          <a:fillRef idx="0">
+            <a:schemeClr val="accent1"/>
+          </a:fillRef>
+          <a:effectRef idx="0">
+            <a:schemeClr val="accent1"/>
+          </a:effectRef>
+          <a:fontRef idx="minor">
+            <a:schemeClr val="tx1"/>
+          </a:fontRef>
+        </p:style>
+      </p:cxnSp>
+      <p:cxnSp>
+        <p:nvCxnSpPr>
+          <p:cNvPr id="44" name="Straight Connector 43">
+            <a:extLst>
+              <a:ext uri="{FF2B5EF4-FFF2-40B4-BE49-F238E27FC236}">
+                <a16:creationId xmlns:a16="http://schemas.microsoft.com/office/drawing/2014/main" id="{6D1792E6-F555-EE4D-A9A6-AB17576E8288}"/>
+              </a:ext>
+            </a:extLst>
+          </p:cNvPr>
+          <p:cNvCxnSpPr/>
+          <p:nvPr/>
+        </p:nvCxnSpPr>
+        <p:spPr>
+          <a:xfrm flipV="1">
+            <a:off x="8076384" y="1201755"/>
+            <a:ext cx="15940" cy="5664862"/>
+          </a:xfrm>
+          <a:prstGeom prst="line">
+            <a:avLst/>
+          </a:prstGeom>
+        </p:spPr>
+        <p:style>
+          <a:lnRef idx="1">
+            <a:schemeClr val="accent1"/>
+          </a:lnRef>
+          <a:fillRef idx="0">
+            <a:schemeClr val="accent1"/>
+          </a:fillRef>
+          <a:effectRef idx="0">
+            <a:schemeClr val="accent1"/>
+          </a:effectRef>
+          <a:fontRef idx="minor">
+            <a:schemeClr val="tx1"/>
+          </a:fontRef>
+        </p:style>
+      </p:cxnSp>
+    </p:spTree>
+    <p:extLst>
+      <p:ext uri="{BB962C8B-B14F-4D97-AF65-F5344CB8AC3E}">
+        <p14:creationId xmlns:p14="http://schemas.microsoft.com/office/powerpoint/2010/main" val="3327042640"/>
+      </p:ext>
+    </p:extLst>
+  </p:cSld>
+  <p:clrMapOvr>
+    <a:masterClrMapping/>
+  </p:clrMapOvr>
+</p:sld>
+</file>
+
+<file path=ppt/slides/slide9.xml><?xml version="1.0" encoding="utf-8"?>
+<p:sld xmlns:a="http://schemas.openxmlformats.org/drawingml/2006/main" xmlns:r="http://schemas.openxmlformats.org/officeDocument/2006/relationships" xmlns:p="http://schemas.openxmlformats.org/presentationml/2006/main">
+  <p:cSld>
+    <p:spTree>
+      <p:nvGrpSpPr>
+        <p:cNvPr id="1" name=""/>
+        <p:cNvGrpSpPr/>
+        <p:nvPr/>
+      </p:nvGrpSpPr>
+      <p:grpSpPr>
+        <a:xfrm>
+          <a:off x="0" y="0"/>
+          <a:ext cx="0" cy="0"/>
+          <a:chOff x="0" y="0"/>
+          <a:chExt cx="0" cy="0"/>
+        </a:xfrm>
+      </p:grpSpPr>
+      <p:sp>
+        <p:nvSpPr>
+          <p:cNvPr id="2" name="Title 1">
+            <a:extLst>
+              <a:ext uri="{FF2B5EF4-FFF2-40B4-BE49-F238E27FC236}">
+                <a16:creationId xmlns:a16="http://schemas.microsoft.com/office/drawing/2014/main" id="{E7127042-FCF2-7747-B01B-8E567FB0EE9E}"/>
+              </a:ext>
+            </a:extLst>
+          </p:cNvPr>
+          <p:cNvSpPr>
+            <a:spLocks noGrp="1"/>
+          </p:cNvSpPr>
+          <p:nvPr>
+            <p:ph type="title"/>
+          </p:nvPr>
+        </p:nvSpPr>
+        <p:spPr/>
+        <p:txBody>
+          <a:bodyPr/>
+          <a:lstStyle/>
+          <a:p>
+            <a:r>
+              <a:rPr lang="en-US" dirty="0"/>
+              <a:t>New mazes</a:t>
+            </a:r>
+          </a:p>
+        </p:txBody>
+      </p:sp>
+      <p:pic>
+        <p:nvPicPr>
+          <p:cNvPr id="7" name="Picture 6">
+            <a:extLst>
+              <a:ext uri="{FF2B5EF4-FFF2-40B4-BE49-F238E27FC236}">
+                <a16:creationId xmlns:a16="http://schemas.microsoft.com/office/drawing/2014/main" id="{0824D61B-ACF0-8144-9BE3-DFDC2F9E2DD3}"/>
+              </a:ext>
+            </a:extLst>
+          </p:cNvPr>
+          <p:cNvPicPr>
+            <a:picLocks noChangeAspect="1"/>
+          </p:cNvPicPr>
+          <p:nvPr/>
+        </p:nvPicPr>
+        <p:blipFill>
+          <a:blip r:embed="rId2"/>
+          <a:stretch>
+            <a:fillRect/>
+          </a:stretch>
+        </p:blipFill>
+        <p:spPr>
+          <a:xfrm>
+            <a:off x="960872" y="3083768"/>
+            <a:ext cx="1828800" cy="1828800"/>
+          </a:xfrm>
+          <a:prstGeom prst="rect">
+            <a:avLst/>
+          </a:prstGeom>
+        </p:spPr>
+      </p:pic>
+      <p:sp>
+        <p:nvSpPr>
+          <p:cNvPr id="12" name="TextBox 11">
+            <a:extLst>
+              <a:ext uri="{FF2B5EF4-FFF2-40B4-BE49-F238E27FC236}">
+                <a16:creationId xmlns:a16="http://schemas.microsoft.com/office/drawing/2014/main" id="{1497F4BD-EEBA-034D-B9A8-53337D66AA18}"/>
+              </a:ext>
+            </a:extLst>
+          </p:cNvPr>
+          <p:cNvSpPr txBox="1"/>
+          <p:nvPr/>
+        </p:nvSpPr>
+        <p:spPr>
+          <a:xfrm>
+            <a:off x="263352" y="3083768"/>
+            <a:ext cx="681597" cy="369332"/>
+          </a:xfrm>
+          <a:prstGeom prst="rect">
+            <a:avLst/>
+          </a:prstGeom>
+          <a:noFill/>
+        </p:spPr>
+        <p:txBody>
+          <a:bodyPr wrap="none" rtlCol="0">
+            <a:spAutoFit/>
+          </a:bodyPr>
+          <a:lstStyle/>
+          <a:p>
+            <a:pPr algn="l"/>
+            <a:r>
+              <a:rPr lang="en-US" dirty="0">
+                <a:solidFill>
+                  <a:schemeClr val="bg1">
+                    <a:lumMod val="60000"/>
+                    <a:lumOff val="40000"/>
+                  </a:schemeClr>
+                </a:solidFill>
+              </a:rPr>
+              <a:t>Place</a:t>
+            </a:r>
+          </a:p>
+        </p:txBody>
+      </p:sp>
+      <p:pic>
+        <p:nvPicPr>
+          <p:cNvPr id="14" name="Picture 13">
+            <a:extLst>
+              <a:ext uri="{FF2B5EF4-FFF2-40B4-BE49-F238E27FC236}">
+                <a16:creationId xmlns:a16="http://schemas.microsoft.com/office/drawing/2014/main" id="{64F0F7C0-DB28-3340-99DC-673C4CC32B62}"/>
+              </a:ext>
+            </a:extLst>
+          </p:cNvPr>
+          <p:cNvPicPr>
+            <a:picLocks noChangeAspect="1"/>
+          </p:cNvPicPr>
+          <p:nvPr/>
+        </p:nvPicPr>
+        <p:blipFill>
+          <a:blip r:embed="rId3"/>
+          <a:stretch>
+            <a:fillRect/>
+          </a:stretch>
+        </p:blipFill>
+        <p:spPr>
+          <a:xfrm>
+            <a:off x="989472" y="4912568"/>
+            <a:ext cx="1828800" cy="1828800"/>
+          </a:xfrm>
+          <a:prstGeom prst="rect">
+            <a:avLst/>
+          </a:prstGeom>
+        </p:spPr>
+      </p:pic>
+      <p:pic>
+        <p:nvPicPr>
+          <p:cNvPr id="16" name="Picture 15">
+            <a:extLst>
+              <a:ext uri="{FF2B5EF4-FFF2-40B4-BE49-F238E27FC236}">
+                <a16:creationId xmlns:a16="http://schemas.microsoft.com/office/drawing/2014/main" id="{A59729C5-9792-9A4D-A340-AF6D9158B9F6}"/>
+              </a:ext>
+            </a:extLst>
+          </p:cNvPr>
+          <p:cNvPicPr>
+            <a:picLocks noChangeAspect="1"/>
+          </p:cNvPicPr>
+          <p:nvPr/>
+        </p:nvPicPr>
+        <p:blipFill>
+          <a:blip r:embed="rId4"/>
+          <a:stretch>
+            <a:fillRect/>
+          </a:stretch>
+        </p:blipFill>
+        <p:spPr>
+          <a:xfrm>
+            <a:off x="2789672" y="4912568"/>
+            <a:ext cx="1828800" cy="1828800"/>
+          </a:xfrm>
+          <a:prstGeom prst="rect">
+            <a:avLst/>
+          </a:prstGeom>
+        </p:spPr>
+      </p:pic>
+      <p:sp>
+        <p:nvSpPr>
+          <p:cNvPr id="17" name="TextBox 16">
+            <a:extLst>
+              <a:ext uri="{FF2B5EF4-FFF2-40B4-BE49-F238E27FC236}">
+                <a16:creationId xmlns:a16="http://schemas.microsoft.com/office/drawing/2014/main" id="{0A4A9371-7E50-EB41-9ABB-1E7858DB628D}"/>
+              </a:ext>
+            </a:extLst>
+          </p:cNvPr>
+          <p:cNvSpPr txBox="1"/>
+          <p:nvPr/>
+        </p:nvSpPr>
+        <p:spPr>
+          <a:xfrm>
+            <a:off x="335360" y="5027984"/>
+            <a:ext cx="617477" cy="369332"/>
+          </a:xfrm>
+          <a:prstGeom prst="rect">
+            <a:avLst/>
+          </a:prstGeom>
+          <a:noFill/>
+        </p:spPr>
+        <p:txBody>
+          <a:bodyPr wrap="none" rtlCol="0">
+            <a:spAutoFit/>
+          </a:bodyPr>
+          <a:lstStyle/>
+          <a:p>
+            <a:pPr algn="l"/>
+            <a:r>
+              <a:rPr lang="en-US" dirty="0">
+                <a:solidFill>
+                  <a:schemeClr val="bg1">
+                    <a:lumMod val="60000"/>
+                    <a:lumOff val="40000"/>
+                  </a:schemeClr>
+                </a:solidFill>
+              </a:rPr>
+              <a:t>Grid</a:t>
+            </a:r>
+          </a:p>
+        </p:txBody>
+      </p:sp>
+      <p:sp>
+        <p:nvSpPr>
+          <p:cNvPr id="18" name="TextBox 17">
+            <a:extLst>
+              <a:ext uri="{FF2B5EF4-FFF2-40B4-BE49-F238E27FC236}">
+                <a16:creationId xmlns:a16="http://schemas.microsoft.com/office/drawing/2014/main" id="{8EC65BB8-7107-E54B-967C-9CBF2F0C854C}"/>
+              </a:ext>
+            </a:extLst>
+          </p:cNvPr>
+          <p:cNvSpPr txBox="1"/>
+          <p:nvPr/>
+        </p:nvSpPr>
+        <p:spPr>
+          <a:xfrm>
+            <a:off x="119336" y="1340768"/>
+            <a:ext cx="886781" cy="369332"/>
+          </a:xfrm>
+          <a:prstGeom prst="rect">
+            <a:avLst/>
+          </a:prstGeom>
+          <a:noFill/>
+        </p:spPr>
+        <p:txBody>
+          <a:bodyPr wrap="none" rtlCol="0">
+            <a:spAutoFit/>
+          </a:bodyPr>
+          <a:lstStyle/>
+          <a:p>
+            <a:pPr algn="l"/>
+            <a:r>
+              <a:rPr lang="en-US" dirty="0">
+                <a:solidFill>
+                  <a:schemeClr val="bg1">
+                    <a:lumMod val="60000"/>
+                    <a:lumOff val="40000"/>
+                  </a:schemeClr>
+                </a:solidFill>
+              </a:rPr>
+              <a:t>Explore</a:t>
+            </a:r>
+          </a:p>
+        </p:txBody>
+      </p:sp>
+      <p:pic>
+        <p:nvPicPr>
+          <p:cNvPr id="20" name="Picture 19">
+            <a:extLst>
+              <a:ext uri="{FF2B5EF4-FFF2-40B4-BE49-F238E27FC236}">
+                <a16:creationId xmlns:a16="http://schemas.microsoft.com/office/drawing/2014/main" id="{D35ED285-57FB-6042-8E1C-CDC8DF335118}"/>
+              </a:ext>
+            </a:extLst>
+          </p:cNvPr>
+          <p:cNvPicPr>
+            <a:picLocks noChangeAspect="1"/>
+          </p:cNvPicPr>
+          <p:nvPr/>
+        </p:nvPicPr>
+        <p:blipFill>
+          <a:blip r:embed="rId5"/>
+          <a:srcRect/>
+          <a:stretch/>
+        </p:blipFill>
+        <p:spPr>
+          <a:xfrm>
+            <a:off x="993326" y="1272646"/>
+            <a:ext cx="1828800" cy="1828800"/>
+          </a:xfrm>
+          <a:prstGeom prst="rect">
+            <a:avLst/>
+          </a:prstGeom>
+        </p:spPr>
+      </p:pic>
+      <p:pic>
+        <p:nvPicPr>
+          <p:cNvPr id="32" name="Picture 31">
+            <a:extLst>
+              <a:ext uri="{FF2B5EF4-FFF2-40B4-BE49-F238E27FC236}">
+                <a16:creationId xmlns:a16="http://schemas.microsoft.com/office/drawing/2014/main" id="{B4EF3283-EC53-874A-A5A6-66B02E42112D}"/>
+              </a:ext>
+            </a:extLst>
+          </p:cNvPr>
+          <p:cNvPicPr>
+            <a:picLocks noChangeAspect="1"/>
+          </p:cNvPicPr>
+          <p:nvPr/>
+        </p:nvPicPr>
+        <p:blipFill rotWithShape="1">
+          <a:blip r:embed="rId6"/>
+          <a:srcRect t="23770" b="18976"/>
+          <a:stretch/>
+        </p:blipFill>
+        <p:spPr>
+          <a:xfrm>
+            <a:off x="7334504" y="1363600"/>
+            <a:ext cx="2876466" cy="1646892"/>
+          </a:xfrm>
+          <a:prstGeom prst="rect">
+            <a:avLst/>
+          </a:prstGeom>
+        </p:spPr>
+      </p:pic>
+      <p:pic>
+        <p:nvPicPr>
+          <p:cNvPr id="34" name="Picture 33">
+            <a:extLst>
+              <a:ext uri="{FF2B5EF4-FFF2-40B4-BE49-F238E27FC236}">
+                <a16:creationId xmlns:a16="http://schemas.microsoft.com/office/drawing/2014/main" id="{5FC33589-63EF-EB49-A03D-22BDEF007657}"/>
+              </a:ext>
+            </a:extLst>
+          </p:cNvPr>
+          <p:cNvPicPr>
+            <a:picLocks noChangeAspect="1"/>
+          </p:cNvPicPr>
+          <p:nvPr/>
+        </p:nvPicPr>
+        <p:blipFill>
+          <a:blip r:embed="rId7"/>
+          <a:stretch>
+            <a:fillRect/>
+          </a:stretch>
+        </p:blipFill>
+        <p:spPr>
+          <a:xfrm>
+            <a:off x="7361617" y="4372101"/>
+            <a:ext cx="2876466" cy="2876466"/>
+          </a:xfrm>
+          <a:prstGeom prst="rect">
+            <a:avLst/>
+          </a:prstGeom>
+        </p:spPr>
+      </p:pic>
+    </p:spTree>
+    <p:extLst>
+      <p:ext uri="{BB962C8B-B14F-4D97-AF65-F5344CB8AC3E}">
+        <p14:creationId xmlns:p14="http://schemas.microsoft.com/office/powerpoint/2010/main" val="3223924857"/>
       </p:ext>
     </p:extLst>
   </p:cSld>

--- a/presentations/meeting230421.pptx
+++ b/presentations/meeting230421.pptx
@@ -216,7 +216,7 @@
           <a:p>
             <a:fld id="{8C594472-1001-3F45-843E-AD6F2325AFE4}" type="datetimeFigureOut">
               <a:rPr lang="en-US" smtClean="0"/>
-              <a:t>4/23/21</a:t>
+              <a:t>4/24/21</a:t>
             </a:fld>
             <a:endParaRPr lang="en-US"/>
           </a:p>
@@ -694,7 +694,7 @@
           <a:p>
             <a:fld id="{73C55A3C-5767-4844-A0A3-83778C2E5409}" type="datetime1">
               <a:rPr lang="en-US" smtClean="0"/>
-              <a:t>4/23/21</a:t>
+              <a:t>4/24/21</a:t>
             </a:fld>
             <a:endParaRPr lang="en-US" dirty="0"/>
           </a:p>
